--- a/notes/notes/计组/revpart2.pptx
+++ b/notes/notes/计组/revpart2.pptx
@@ -201,7 +201,7 @@
           <a:p>
             <a:fld id="{9BFDADED-620D-D24E-82E2-96F000A12D1D}" type="datetimeFigureOut">
               <a:rPr lang="en-CN" smtClean="0"/>
-              <a:t>2023/12/10</a:t>
+              <a:t>2023/12/13</a:t>
             </a:fld>
             <a:endParaRPr lang="en-CN"/>
           </a:p>
@@ -1570,7 +1570,7 @@
           <a:p>
             <a:fld id="{58D30FAB-176C-8449-8796-69F8D9C85B57}" type="datetime1">
               <a:rPr lang="en-US" smtClean="0"/>
-              <a:t>12/10/23</a:t>
+              <a:t>12/13/23</a:t>
             </a:fld>
             <a:endParaRPr lang="en-CN"/>
           </a:p>
@@ -2077,7 +2077,7 @@
             </a:r>
             <a:r>
               <a:rPr kumimoji="1" lang="en-US" altLang="zh-CN" sz="4800" dirty="0"/>
-              <a:t>1</a:t>
+              <a:t>2</a:t>
             </a:r>
             <a:endParaRPr kumimoji="1" lang="zh-CN" altLang="en-US" sz="4800" dirty="0"/>
           </a:p>
